--- a/Értintő képernyők, Touchpadek, Biometrikus zárak.pptx
+++ b/Értintő képernyők, Touchpadek, Biometrikus zárak.pptx
@@ -110,6 +110,11 @@
       </a:defRPr>
     </a:lvl9pPr>
   </p:defaultTextStyle>
+  <p:extLst>
+    <p:ext uri="{EFAFB233-063F-42B5-8137-9DF3F51BA10A}">
+      <p15:sldGuideLst xmlns:p15="http://schemas.microsoft.com/office/powerpoint/2012/main"/>
+    </p:ext>
+  </p:extLst>
 </p:presentation>
 </file>
 
@@ -283,7 +288,7 @@
           <a:p>
             <a:fld id="{5B3B3EFF-4BE3-49E2-9B39-0D357246D167}" type="datetimeFigureOut">
               <a:rPr lang="hu-HU" smtClean="0"/>
-              <a:t>2022.09.09.</a:t>
+              <a:t>2022.09.13.</a:t>
             </a:fld>
             <a:endParaRPr lang="hu-HU"/>
           </a:p>
@@ -550,7 +555,7 @@
           <a:p>
             <a:fld id="{5B3B3EFF-4BE3-49E2-9B39-0D357246D167}" type="datetimeFigureOut">
               <a:rPr lang="hu-HU" smtClean="0"/>
-              <a:t>2022.09.09.</a:t>
+              <a:t>2022.09.13.</a:t>
             </a:fld>
             <a:endParaRPr lang="hu-HU"/>
           </a:p>
@@ -781,7 +786,7 @@
           <a:p>
             <a:fld id="{5B3B3EFF-4BE3-49E2-9B39-0D357246D167}" type="datetimeFigureOut">
               <a:rPr lang="hu-HU" smtClean="0"/>
-              <a:t>2022.09.09.</a:t>
+              <a:t>2022.09.13.</a:t>
             </a:fld>
             <a:endParaRPr lang="hu-HU"/>
           </a:p>
@@ -1091,7 +1096,7 @@
           <a:p>
             <a:fld id="{5B3B3EFF-4BE3-49E2-9B39-0D357246D167}" type="datetimeFigureOut">
               <a:rPr lang="hu-HU" smtClean="0"/>
-              <a:t>2022.09.09.</a:t>
+              <a:t>2022.09.13.</a:t>
             </a:fld>
             <a:endParaRPr lang="hu-HU"/>
           </a:p>
@@ -1564,7 +1569,7 @@
           <a:p>
             <a:fld id="{5B3B3EFF-4BE3-49E2-9B39-0D357246D167}" type="datetimeFigureOut">
               <a:rPr lang="hu-HU" smtClean="0"/>
-              <a:t>2022.09.09.</a:t>
+              <a:t>2022.09.13.</a:t>
             </a:fld>
             <a:endParaRPr lang="hu-HU"/>
           </a:p>
@@ -2111,7 +2116,7 @@
           <a:p>
             <a:fld id="{5B3B3EFF-4BE3-49E2-9B39-0D357246D167}" type="datetimeFigureOut">
               <a:rPr lang="hu-HU" smtClean="0"/>
-              <a:t>2022.09.09.</a:t>
+              <a:t>2022.09.13.</a:t>
             </a:fld>
             <a:endParaRPr lang="hu-HU"/>
           </a:p>
@@ -2885,7 +2890,7 @@
           <a:p>
             <a:fld id="{5B3B3EFF-4BE3-49E2-9B39-0D357246D167}" type="datetimeFigureOut">
               <a:rPr lang="hu-HU" smtClean="0"/>
-              <a:t>2022.09.09.</a:t>
+              <a:t>2022.09.13.</a:t>
             </a:fld>
             <a:endParaRPr lang="hu-HU"/>
           </a:p>
@@ -3060,7 +3065,7 @@
           <a:p>
             <a:fld id="{5B3B3EFF-4BE3-49E2-9B39-0D357246D167}" type="datetimeFigureOut">
               <a:rPr lang="hu-HU" smtClean="0"/>
-              <a:t>2022.09.09.</a:t>
+              <a:t>2022.09.13.</a:t>
             </a:fld>
             <a:endParaRPr lang="hu-HU"/>
           </a:p>
@@ -3283,7 +3288,7 @@
           <a:p>
             <a:fld id="{5B3B3EFF-4BE3-49E2-9B39-0D357246D167}" type="datetimeFigureOut">
               <a:rPr lang="hu-HU" smtClean="0"/>
-              <a:t>2022.09.09.</a:t>
+              <a:t>2022.09.13.</a:t>
             </a:fld>
             <a:endParaRPr lang="hu-HU"/>
           </a:p>
@@ -3463,7 +3468,7 @@
           <a:p>
             <a:fld id="{5B3B3EFF-4BE3-49E2-9B39-0D357246D167}" type="datetimeFigureOut">
               <a:rPr lang="hu-HU" smtClean="0"/>
-              <a:t>2022.09.09.</a:t>
+              <a:t>2022.09.13.</a:t>
             </a:fld>
             <a:endParaRPr lang="hu-HU"/>
           </a:p>
@@ -3752,7 +3757,7 @@
           <a:p>
             <a:fld id="{5B3B3EFF-4BE3-49E2-9B39-0D357246D167}" type="datetimeFigureOut">
               <a:rPr lang="hu-HU" smtClean="0"/>
-              <a:t>2022.09.09.</a:t>
+              <a:t>2022.09.13.</a:t>
             </a:fld>
             <a:endParaRPr lang="hu-HU"/>
           </a:p>
@@ -3994,7 +3999,7 @@
           <a:p>
             <a:fld id="{5B3B3EFF-4BE3-49E2-9B39-0D357246D167}" type="datetimeFigureOut">
               <a:rPr lang="hu-HU" smtClean="0"/>
-              <a:t>2022.09.09.</a:t>
+              <a:t>2022.09.13.</a:t>
             </a:fld>
             <a:endParaRPr lang="hu-HU"/>
           </a:p>
@@ -4373,7 +4378,7 @@
           <a:p>
             <a:fld id="{5B3B3EFF-4BE3-49E2-9B39-0D357246D167}" type="datetimeFigureOut">
               <a:rPr lang="hu-HU" smtClean="0"/>
-              <a:t>2022.09.09.</a:t>
+              <a:t>2022.09.13.</a:t>
             </a:fld>
             <a:endParaRPr lang="hu-HU"/>
           </a:p>
@@ -4491,7 +4496,7 @@
           <a:p>
             <a:fld id="{5B3B3EFF-4BE3-49E2-9B39-0D357246D167}" type="datetimeFigureOut">
               <a:rPr lang="hu-HU" smtClean="0"/>
-              <a:t>2022.09.09.</a:t>
+              <a:t>2022.09.13.</a:t>
             </a:fld>
             <a:endParaRPr lang="hu-HU"/>
           </a:p>
@@ -4586,7 +4591,7 @@
           <a:p>
             <a:fld id="{5B3B3EFF-4BE3-49E2-9B39-0D357246D167}" type="datetimeFigureOut">
               <a:rPr lang="hu-HU" smtClean="0"/>
-              <a:t>2022.09.09.</a:t>
+              <a:t>2022.09.13.</a:t>
             </a:fld>
             <a:endParaRPr lang="hu-HU"/>
           </a:p>
@@ -4835,7 +4840,7 @@
           <a:p>
             <a:fld id="{5B3B3EFF-4BE3-49E2-9B39-0D357246D167}" type="datetimeFigureOut">
               <a:rPr lang="hu-HU" smtClean="0"/>
-              <a:t>2022.09.09.</a:t>
+              <a:t>2022.09.13.</a:t>
             </a:fld>
             <a:endParaRPr lang="hu-HU"/>
           </a:p>
@@ -5092,7 +5097,7 @@
           <a:p>
             <a:fld id="{5B3B3EFF-4BE3-49E2-9B39-0D357246D167}" type="datetimeFigureOut">
               <a:rPr lang="hu-HU" smtClean="0"/>
-              <a:t>2022.09.09.</a:t>
+              <a:t>2022.09.13.</a:t>
             </a:fld>
             <a:endParaRPr lang="hu-HU"/>
           </a:p>
@@ -5335,7 +5340,7 @@
           <a:p>
             <a:fld id="{5B3B3EFF-4BE3-49E2-9B39-0D357246D167}" type="datetimeFigureOut">
               <a:rPr lang="hu-HU" smtClean="0"/>
-              <a:t>2022.09.09.</a:t>
+              <a:t>2022.09.13.</a:t>
             </a:fld>
             <a:endParaRPr lang="hu-HU"/>
           </a:p>
@@ -6866,7 +6871,7 @@
       </p:sp>
       <p:pic>
         <p:nvPicPr>
-          <p:cNvPr id="2050" name="Picture 2" descr="LG G Flex Review: form over even basic function | Ars Technica"/>
+          <p:cNvPr id="2052" name="Picture 4" descr="The fingerprint scanner market's value is set to double over the next 5  years - NotebookCheck.net News"/>
           <p:cNvPicPr>
             <a:picLocks noChangeAspect="1" noChangeArrowheads="1"/>
           </p:cNvPicPr>
@@ -6887,8 +6892,8 @@
         </p:blipFill>
         <p:spPr bwMode="auto">
           <a:xfrm>
-            <a:off x="1177925" y="2429065"/>
-            <a:ext cx="3960302" cy="3143250"/>
+            <a:off x="7303558" y="3166203"/>
+            <a:ext cx="4430940" cy="2029989"/>
           </a:xfrm>
           <a:prstGeom prst="rect">
             <a:avLst/>
@@ -6907,7 +6912,7 @@
       </p:pic>
       <p:pic>
         <p:nvPicPr>
-          <p:cNvPr id="2052" name="Picture 4" descr="The fingerprint scanner market's value is set to double over the next 5  years - NotebookCheck.net News"/>
+          <p:cNvPr id="1028" name="Picture 4" descr="Biometrics: movies: 2018"/>
           <p:cNvPicPr>
             <a:picLocks noChangeAspect="1" noChangeArrowheads="1"/>
           </p:cNvPicPr>
@@ -6928,8 +6933,8 @@
         </p:blipFill>
         <p:spPr bwMode="auto">
           <a:xfrm>
-            <a:off x="5589587" y="2641980"/>
-            <a:ext cx="6396162" cy="2930335"/>
+            <a:off x="254000" y="2725738"/>
+            <a:ext cx="6824133" cy="2910920"/>
           </a:xfrm>
           <a:prstGeom prst="rect">
             <a:avLst/>
